--- a/UNO UML Presentation.pptx
+++ b/UNO UML Presentation.pptx
@@ -8,6 +8,10 @@
     <p:sldId id="256" r:id="rId2"/>
     <p:sldId id="257" r:id="rId3"/>
     <p:sldId id="258" r:id="rId4"/>
+    <p:sldId id="261" r:id="rId5"/>
+    <p:sldId id="262" r:id="rId6"/>
+    <p:sldId id="259" r:id="rId7"/>
+    <p:sldId id="260" r:id="rId8"/>
   </p:sldIdLst>
   <p:sldSz cx="12192000" cy="6858000"/>
   <p:notesSz cx="6858000" cy="9144000"/>
@@ -106,6 +110,30 @@
       </a:defRPr>
     </a:lvl9pPr>
   </p:defaultTextStyle>
+  <p:extLst>
+    <p:ext uri="{521415D9-36F7-43E2-AB2F-B90AF26B5E84}">
+      <p14:sectionLst xmlns:p14="http://schemas.microsoft.com/office/powerpoint/2010/main">
+        <p14:section name="Default Section" id="{3E66A053-A65F-4096-8491-0CB9C48FC35F}">
+          <p14:sldIdLst>
+            <p14:sldId id="256"/>
+            <p14:sldId id="257"/>
+            <p14:sldId id="258"/>
+          </p14:sldIdLst>
+        </p14:section>
+        <p14:section name="Untitled Section" id="{CEF4DDA7-E0B9-4273-8F62-9739171F22D8}">
+          <p14:sldIdLst>
+            <p14:sldId id="261"/>
+            <p14:sldId id="262"/>
+            <p14:sldId id="259"/>
+            <p14:sldId id="260"/>
+          </p14:sldIdLst>
+        </p14:section>
+      </p14:sectionLst>
+    </p:ext>
+    <p:ext uri="{EFAFB233-063F-42B5-8137-9DF3F51BA10A}">
+      <p15:sldGuideLst xmlns:p15="http://schemas.microsoft.com/office/powerpoint/2012/main"/>
+    </p:ext>
+  </p:extLst>
 </p:presentation>
 </file>
 
@@ -8175,6 +8203,787 @@
 </p:sld>
 </file>
 
+<file path=ppt/slides/slide4.xml><?xml version="1.0" encoding="utf-8"?>
+<p:sld xmlns:a="http://schemas.openxmlformats.org/drawingml/2006/main" xmlns:r="http://schemas.openxmlformats.org/officeDocument/2006/relationships" xmlns:p="http://schemas.openxmlformats.org/presentationml/2006/main">
+  <p:cSld>
+    <p:spTree>
+      <p:nvGrpSpPr>
+        <p:cNvPr id="1" name=""/>
+        <p:cNvGrpSpPr/>
+        <p:nvPr/>
+      </p:nvGrpSpPr>
+      <p:grpSpPr>
+        <a:xfrm>
+          <a:off x="0" y="0"/>
+          <a:ext cx="0" cy="0"/>
+          <a:chOff x="0" y="0"/>
+          <a:chExt cx="0" cy="0"/>
+        </a:xfrm>
+      </p:grpSpPr>
+      <p:sp>
+        <p:nvSpPr>
+          <p:cNvPr id="2" name="Title 1">
+            <a:extLst>
+              <a:ext uri="{FF2B5EF4-FFF2-40B4-BE49-F238E27FC236}">
+                <a16:creationId xmlns:a16="http://schemas.microsoft.com/office/drawing/2014/main" id="{39A4ED15-D2C7-E6CB-5743-2C0E2C97D61A}"/>
+              </a:ext>
+            </a:extLst>
+          </p:cNvPr>
+          <p:cNvSpPr>
+            <a:spLocks noGrp="1"/>
+          </p:cNvSpPr>
+          <p:nvPr>
+            <p:ph type="title"/>
+          </p:nvPr>
+        </p:nvSpPr>
+        <p:spPr>
+          <a:xfrm>
+            <a:off x="4354308" y="754144"/>
+            <a:ext cx="3483381" cy="585112"/>
+          </a:xfrm>
+        </p:spPr>
+        <p:txBody>
+          <a:bodyPr/>
+          <a:lstStyle/>
+          <a:p>
+            <a:r>
+              <a:rPr lang="en-US" dirty="0"/>
+              <a:t>Deck Creation</a:t>
+            </a:r>
+          </a:p>
+        </p:txBody>
+      </p:sp>
+      <p:pic>
+        <p:nvPicPr>
+          <p:cNvPr id="6" name="Picture 5">
+            <a:extLst>
+              <a:ext uri="{FF2B5EF4-FFF2-40B4-BE49-F238E27FC236}">
+                <a16:creationId xmlns:a16="http://schemas.microsoft.com/office/drawing/2014/main" id="{A0D35064-C759-1F26-D54A-1D06BBE00195}"/>
+              </a:ext>
+            </a:extLst>
+          </p:cNvPr>
+          <p:cNvPicPr>
+            <a:picLocks noChangeAspect="1"/>
+          </p:cNvPicPr>
+          <p:nvPr/>
+        </p:nvPicPr>
+        <p:blipFill>
+          <a:blip r:embed="rId2"/>
+          <a:stretch>
+            <a:fillRect/>
+          </a:stretch>
+        </p:blipFill>
+        <p:spPr>
+          <a:xfrm>
+            <a:off x="6461328" y="3429000"/>
+            <a:ext cx="4877481" cy="2505425"/>
+          </a:xfrm>
+          <a:prstGeom prst="rect">
+            <a:avLst/>
+          </a:prstGeom>
+        </p:spPr>
+      </p:pic>
+      <p:pic>
+        <p:nvPicPr>
+          <p:cNvPr id="8" name="Picture 7">
+            <a:extLst>
+              <a:ext uri="{FF2B5EF4-FFF2-40B4-BE49-F238E27FC236}">
+                <a16:creationId xmlns:a16="http://schemas.microsoft.com/office/drawing/2014/main" id="{72797CFD-8BF1-593B-A712-13C3FEB420FA}"/>
+              </a:ext>
+            </a:extLst>
+          </p:cNvPr>
+          <p:cNvPicPr>
+            <a:picLocks noChangeAspect="1"/>
+          </p:cNvPicPr>
+          <p:nvPr/>
+        </p:nvPicPr>
+        <p:blipFill>
+          <a:blip r:embed="rId3"/>
+          <a:stretch>
+            <a:fillRect/>
+          </a:stretch>
+        </p:blipFill>
+        <p:spPr>
+          <a:xfrm>
+            <a:off x="4191435" y="1982460"/>
+            <a:ext cx="3809129" cy="1098338"/>
+          </a:xfrm>
+          <a:prstGeom prst="rect">
+            <a:avLst/>
+          </a:prstGeom>
+        </p:spPr>
+      </p:pic>
+      <p:pic>
+        <p:nvPicPr>
+          <p:cNvPr id="10" name="Picture 9">
+            <a:extLst>
+              <a:ext uri="{FF2B5EF4-FFF2-40B4-BE49-F238E27FC236}">
+                <a16:creationId xmlns:a16="http://schemas.microsoft.com/office/drawing/2014/main" id="{DAC397BA-555F-A632-42BF-97C7571A2964}"/>
+              </a:ext>
+            </a:extLst>
+          </p:cNvPr>
+          <p:cNvPicPr>
+            <a:picLocks noChangeAspect="1"/>
+          </p:cNvPicPr>
+          <p:nvPr/>
+        </p:nvPicPr>
+        <p:blipFill>
+          <a:blip r:embed="rId4"/>
+          <a:stretch>
+            <a:fillRect/>
+          </a:stretch>
+        </p:blipFill>
+        <p:spPr>
+          <a:xfrm>
+            <a:off x="1544376" y="3315758"/>
+            <a:ext cx="4220164" cy="1629002"/>
+          </a:xfrm>
+          <a:prstGeom prst="rect">
+            <a:avLst/>
+          </a:prstGeom>
+        </p:spPr>
+      </p:pic>
+      <p:pic>
+        <p:nvPicPr>
+          <p:cNvPr id="12" name="Picture 11">
+            <a:extLst>
+              <a:ext uri="{FF2B5EF4-FFF2-40B4-BE49-F238E27FC236}">
+                <a16:creationId xmlns:a16="http://schemas.microsoft.com/office/drawing/2014/main" id="{0B7B775A-BF2C-18FC-F797-CB0E4190D856}"/>
+              </a:ext>
+            </a:extLst>
+          </p:cNvPr>
+          <p:cNvPicPr>
+            <a:picLocks noChangeAspect="1"/>
+          </p:cNvPicPr>
+          <p:nvPr/>
+        </p:nvPicPr>
+        <p:blipFill>
+          <a:blip r:embed="rId5"/>
+          <a:stretch>
+            <a:fillRect/>
+          </a:stretch>
+        </p:blipFill>
+        <p:spPr>
+          <a:xfrm>
+            <a:off x="1544376" y="5354426"/>
+            <a:ext cx="4162550" cy="843048"/>
+          </a:xfrm>
+          <a:prstGeom prst="rect">
+            <a:avLst/>
+          </a:prstGeom>
+        </p:spPr>
+      </p:pic>
+    </p:spTree>
+    <p:extLst>
+      <p:ext uri="{BB962C8B-B14F-4D97-AF65-F5344CB8AC3E}">
+        <p14:creationId xmlns:p14="http://schemas.microsoft.com/office/powerpoint/2010/main" val="1267030807"/>
+      </p:ext>
+    </p:extLst>
+  </p:cSld>
+  <p:clrMapOvr>
+    <a:masterClrMapping/>
+  </p:clrMapOvr>
+</p:sld>
+</file>
+
+<file path=ppt/slides/slide5.xml><?xml version="1.0" encoding="utf-8"?>
+<p:sld xmlns:a="http://schemas.openxmlformats.org/drawingml/2006/main" xmlns:r="http://schemas.openxmlformats.org/officeDocument/2006/relationships" xmlns:p="http://schemas.openxmlformats.org/presentationml/2006/main">
+  <p:cSld>
+    <p:spTree>
+      <p:nvGrpSpPr>
+        <p:cNvPr id="1" name=""/>
+        <p:cNvGrpSpPr/>
+        <p:nvPr/>
+      </p:nvGrpSpPr>
+      <p:grpSpPr>
+        <a:xfrm>
+          <a:off x="0" y="0"/>
+          <a:ext cx="0" cy="0"/>
+          <a:chOff x="0" y="0"/>
+          <a:chExt cx="0" cy="0"/>
+        </a:xfrm>
+      </p:grpSpPr>
+      <p:sp>
+        <p:nvSpPr>
+          <p:cNvPr id="18" name="Text Placeholder 17">
+            <a:extLst>
+              <a:ext uri="{FF2B5EF4-FFF2-40B4-BE49-F238E27FC236}">
+                <a16:creationId xmlns:a16="http://schemas.microsoft.com/office/drawing/2014/main" id="{EA0F8DFA-1954-C312-F0BA-740DD20D70C1}"/>
+              </a:ext>
+            </a:extLst>
+          </p:cNvPr>
+          <p:cNvSpPr>
+            <a:spLocks noGrp="1"/>
+          </p:cNvSpPr>
+          <p:nvPr>
+            <p:ph type="body" sz="half" idx="2"/>
+          </p:nvPr>
+        </p:nvSpPr>
+        <p:spPr>
+          <a:xfrm>
+            <a:off x="345738" y="142362"/>
+            <a:ext cx="10130516" cy="999067"/>
+          </a:xfrm>
+        </p:spPr>
+        <p:txBody>
+          <a:bodyPr>
+            <a:normAutofit/>
+          </a:bodyPr>
+          <a:lstStyle/>
+          <a:p>
+            <a:r>
+              <a:rPr lang="en-US" sz="5400" dirty="0"/>
+              <a:t>Average Player Turn</a:t>
+            </a:r>
+          </a:p>
+        </p:txBody>
+      </p:sp>
+      <p:pic>
+        <p:nvPicPr>
+          <p:cNvPr id="20" name="Picture 19">
+            <a:extLst>
+              <a:ext uri="{FF2B5EF4-FFF2-40B4-BE49-F238E27FC236}">
+                <a16:creationId xmlns:a16="http://schemas.microsoft.com/office/drawing/2014/main" id="{6668A080-141E-6CB9-4C33-FB284148CC94}"/>
+              </a:ext>
+            </a:extLst>
+          </p:cNvPr>
+          <p:cNvPicPr>
+            <a:picLocks noChangeAspect="1"/>
+          </p:cNvPicPr>
+          <p:nvPr/>
+        </p:nvPicPr>
+        <p:blipFill>
+          <a:blip r:embed="rId2"/>
+          <a:stretch>
+            <a:fillRect/>
+          </a:stretch>
+        </p:blipFill>
+        <p:spPr>
+          <a:xfrm>
+            <a:off x="468639" y="2088347"/>
+            <a:ext cx="3524742" cy="4001058"/>
+          </a:xfrm>
+          <a:prstGeom prst="rect">
+            <a:avLst/>
+          </a:prstGeom>
+        </p:spPr>
+      </p:pic>
+      <p:pic>
+        <p:nvPicPr>
+          <p:cNvPr id="24" name="Picture 23">
+            <a:extLst>
+              <a:ext uri="{FF2B5EF4-FFF2-40B4-BE49-F238E27FC236}">
+                <a16:creationId xmlns:a16="http://schemas.microsoft.com/office/drawing/2014/main" id="{F8947067-D6C8-9705-AEE2-7DD4E7ED4369}"/>
+              </a:ext>
+            </a:extLst>
+          </p:cNvPr>
+          <p:cNvPicPr>
+            <a:picLocks noChangeAspect="1"/>
+          </p:cNvPicPr>
+          <p:nvPr/>
+        </p:nvPicPr>
+        <p:blipFill>
+          <a:blip r:embed="rId3"/>
+          <a:stretch>
+            <a:fillRect/>
+          </a:stretch>
+        </p:blipFill>
+        <p:spPr>
+          <a:xfrm>
+            <a:off x="6721949" y="2088347"/>
+            <a:ext cx="4727143" cy="1911283"/>
+          </a:xfrm>
+          <a:prstGeom prst="rect">
+            <a:avLst/>
+          </a:prstGeom>
+        </p:spPr>
+      </p:pic>
+      <p:pic>
+        <p:nvPicPr>
+          <p:cNvPr id="26" name="Picture 25">
+            <a:extLst>
+              <a:ext uri="{FF2B5EF4-FFF2-40B4-BE49-F238E27FC236}">
+                <a16:creationId xmlns:a16="http://schemas.microsoft.com/office/drawing/2014/main" id="{A824BC82-12E6-DBF2-E363-1FFED60262BF}"/>
+              </a:ext>
+            </a:extLst>
+          </p:cNvPr>
+          <p:cNvPicPr>
+            <a:picLocks noChangeAspect="1"/>
+          </p:cNvPicPr>
+          <p:nvPr/>
+        </p:nvPicPr>
+        <p:blipFill>
+          <a:blip r:embed="rId4"/>
+          <a:stretch>
+            <a:fillRect/>
+          </a:stretch>
+        </p:blipFill>
+        <p:spPr>
+          <a:xfrm>
+            <a:off x="6547421" y="4428345"/>
+            <a:ext cx="5076200" cy="1661060"/>
+          </a:xfrm>
+          <a:prstGeom prst="rect">
+            <a:avLst/>
+          </a:prstGeom>
+        </p:spPr>
+      </p:pic>
+      <p:sp>
+        <p:nvSpPr>
+          <p:cNvPr id="28" name="TextBox 27">
+            <a:extLst>
+              <a:ext uri="{FF2B5EF4-FFF2-40B4-BE49-F238E27FC236}">
+                <a16:creationId xmlns:a16="http://schemas.microsoft.com/office/drawing/2014/main" id="{E18F6F4E-AE8A-F2A2-D161-0E1B81D29102}"/>
+              </a:ext>
+            </a:extLst>
+          </p:cNvPr>
+          <p:cNvSpPr txBox="1"/>
+          <p:nvPr/>
+        </p:nvSpPr>
+        <p:spPr>
+          <a:xfrm>
+            <a:off x="1376046" y="1291722"/>
+            <a:ext cx="1709927" cy="646331"/>
+          </a:xfrm>
+          <a:prstGeom prst="rect">
+            <a:avLst/>
+          </a:prstGeom>
+          <a:noFill/>
+        </p:spPr>
+        <p:txBody>
+          <a:bodyPr wrap="square">
+            <a:spAutoFit/>
+          </a:bodyPr>
+          <a:lstStyle/>
+          <a:p>
+            <a:r>
+              <a:rPr lang="en-US" dirty="0"/>
+              <a:t>Checking For Skipped Turns</a:t>
+            </a:r>
+          </a:p>
+        </p:txBody>
+      </p:sp>
+      <p:sp>
+        <p:nvSpPr>
+          <p:cNvPr id="30" name="TextBox 29">
+            <a:extLst>
+              <a:ext uri="{FF2B5EF4-FFF2-40B4-BE49-F238E27FC236}">
+                <a16:creationId xmlns:a16="http://schemas.microsoft.com/office/drawing/2014/main" id="{A280ACCC-D47E-A019-CA3E-291496510962}"/>
+              </a:ext>
+            </a:extLst>
+          </p:cNvPr>
+          <p:cNvSpPr txBox="1"/>
+          <p:nvPr/>
+        </p:nvSpPr>
+        <p:spPr>
+          <a:xfrm>
+            <a:off x="4471285" y="2505670"/>
+            <a:ext cx="1851461" cy="923330"/>
+          </a:xfrm>
+          <a:prstGeom prst="rect">
+            <a:avLst/>
+          </a:prstGeom>
+          <a:noFill/>
+        </p:spPr>
+        <p:txBody>
+          <a:bodyPr wrap="square">
+            <a:spAutoFit/>
+          </a:bodyPr>
+          <a:lstStyle/>
+          <a:p>
+            <a:r>
+              <a:rPr lang="en-US" dirty="0"/>
+              <a:t>Getting which card a player wants to play</a:t>
+            </a:r>
+          </a:p>
+        </p:txBody>
+      </p:sp>
+      <p:sp>
+        <p:nvSpPr>
+          <p:cNvPr id="34" name="TextBox 33">
+            <a:extLst>
+              <a:ext uri="{FF2B5EF4-FFF2-40B4-BE49-F238E27FC236}">
+                <a16:creationId xmlns:a16="http://schemas.microsoft.com/office/drawing/2014/main" id="{44F11BB5-241B-6547-1DF1-50FD3FBCDD95}"/>
+              </a:ext>
+            </a:extLst>
+          </p:cNvPr>
+          <p:cNvSpPr txBox="1"/>
+          <p:nvPr/>
+        </p:nvSpPr>
+        <p:spPr>
+          <a:xfrm>
+            <a:off x="4471285" y="4793241"/>
+            <a:ext cx="1772759" cy="923330"/>
+          </a:xfrm>
+          <a:prstGeom prst="rect">
+            <a:avLst/>
+          </a:prstGeom>
+          <a:noFill/>
+        </p:spPr>
+        <p:txBody>
+          <a:bodyPr wrap="square">
+            <a:spAutoFit/>
+          </a:bodyPr>
+          <a:lstStyle/>
+          <a:p>
+            <a:r>
+              <a:rPr lang="en-US" dirty="0"/>
+              <a:t>Checking the validity of the chosen card</a:t>
+            </a:r>
+          </a:p>
+        </p:txBody>
+      </p:sp>
+    </p:spTree>
+    <p:extLst>
+      <p:ext uri="{BB962C8B-B14F-4D97-AF65-F5344CB8AC3E}">
+        <p14:creationId xmlns:p14="http://schemas.microsoft.com/office/powerpoint/2010/main" val="517959012"/>
+      </p:ext>
+    </p:extLst>
+  </p:cSld>
+  <p:clrMapOvr>
+    <a:masterClrMapping/>
+  </p:clrMapOvr>
+</p:sld>
+</file>
+
+<file path=ppt/slides/slide6.xml><?xml version="1.0" encoding="utf-8"?>
+<p:sld xmlns:a="http://schemas.openxmlformats.org/drawingml/2006/main" xmlns:r="http://schemas.openxmlformats.org/officeDocument/2006/relationships" xmlns:p="http://schemas.openxmlformats.org/presentationml/2006/main">
+  <p:cSld>
+    <p:spTree>
+      <p:nvGrpSpPr>
+        <p:cNvPr id="1" name=""/>
+        <p:cNvGrpSpPr/>
+        <p:nvPr/>
+      </p:nvGrpSpPr>
+      <p:grpSpPr>
+        <a:xfrm>
+          <a:off x="0" y="0"/>
+          <a:ext cx="0" cy="0"/>
+          <a:chOff x="0" y="0"/>
+          <a:chExt cx="0" cy="0"/>
+        </a:xfrm>
+      </p:grpSpPr>
+      <p:sp>
+        <p:nvSpPr>
+          <p:cNvPr id="4" name="Text Placeholder 3">
+            <a:extLst>
+              <a:ext uri="{FF2B5EF4-FFF2-40B4-BE49-F238E27FC236}">
+                <a16:creationId xmlns:a16="http://schemas.microsoft.com/office/drawing/2014/main" id="{C74BAEB3-4483-C6D8-E215-90C8565796D7}"/>
+              </a:ext>
+            </a:extLst>
+          </p:cNvPr>
+          <p:cNvSpPr>
+            <a:spLocks noGrp="1"/>
+          </p:cNvSpPr>
+          <p:nvPr>
+            <p:ph type="body" sz="half" idx="2"/>
+          </p:nvPr>
+        </p:nvSpPr>
+        <p:spPr>
+          <a:xfrm>
+            <a:off x="1219170" y="848830"/>
+            <a:ext cx="4373703" cy="906818"/>
+          </a:xfrm>
+        </p:spPr>
+        <p:txBody>
+          <a:bodyPr>
+            <a:normAutofit/>
+          </a:bodyPr>
+          <a:lstStyle/>
+          <a:p>
+            <a:r>
+              <a:rPr lang="en-US" sz="2800" dirty="0"/>
+              <a:t>Creating the AI’s Card choice with a priority list</a:t>
+            </a:r>
+          </a:p>
+        </p:txBody>
+      </p:sp>
+      <p:pic>
+        <p:nvPicPr>
+          <p:cNvPr id="12" name="Picture 11">
+            <a:extLst>
+              <a:ext uri="{FF2B5EF4-FFF2-40B4-BE49-F238E27FC236}">
+                <a16:creationId xmlns:a16="http://schemas.microsoft.com/office/drawing/2014/main" id="{A91A6C78-56CE-E101-25D9-BE9561C1A0DB}"/>
+              </a:ext>
+            </a:extLst>
+          </p:cNvPr>
+          <p:cNvPicPr>
+            <a:picLocks noChangeAspect="1"/>
+          </p:cNvPicPr>
+          <p:nvPr/>
+        </p:nvPicPr>
+        <p:blipFill>
+          <a:blip r:embed="rId2"/>
+          <a:stretch>
+            <a:fillRect/>
+          </a:stretch>
+        </p:blipFill>
+        <p:spPr>
+          <a:xfrm>
+            <a:off x="6727475" y="848830"/>
+            <a:ext cx="4373703" cy="5160340"/>
+          </a:xfrm>
+          <a:prstGeom prst="rect">
+            <a:avLst/>
+          </a:prstGeom>
+        </p:spPr>
+      </p:pic>
+      <p:pic>
+        <p:nvPicPr>
+          <p:cNvPr id="16" name="Picture 15">
+            <a:extLst>
+              <a:ext uri="{FF2B5EF4-FFF2-40B4-BE49-F238E27FC236}">
+                <a16:creationId xmlns:a16="http://schemas.microsoft.com/office/drawing/2014/main" id="{5D723925-97D3-C450-7758-6CB5324E762B}"/>
+              </a:ext>
+            </a:extLst>
+          </p:cNvPr>
+          <p:cNvPicPr>
+            <a:picLocks noChangeAspect="1"/>
+          </p:cNvPicPr>
+          <p:nvPr/>
+        </p:nvPicPr>
+        <p:blipFill>
+          <a:blip r:embed="rId3"/>
+          <a:stretch>
+            <a:fillRect/>
+          </a:stretch>
+        </p:blipFill>
+        <p:spPr>
+          <a:xfrm>
+            <a:off x="813241" y="2846907"/>
+            <a:ext cx="5182323" cy="514422"/>
+          </a:xfrm>
+          <a:prstGeom prst="rect">
+            <a:avLst/>
+          </a:prstGeom>
+        </p:spPr>
+      </p:pic>
+      <p:pic>
+        <p:nvPicPr>
+          <p:cNvPr id="18" name="Picture 17">
+            <a:extLst>
+              <a:ext uri="{FF2B5EF4-FFF2-40B4-BE49-F238E27FC236}">
+                <a16:creationId xmlns:a16="http://schemas.microsoft.com/office/drawing/2014/main" id="{08F7CAAA-0AEF-88D6-DCB7-FB07248D2401}"/>
+              </a:ext>
+            </a:extLst>
+          </p:cNvPr>
+          <p:cNvPicPr>
+            <a:picLocks noChangeAspect="1"/>
+          </p:cNvPicPr>
+          <p:nvPr/>
+        </p:nvPicPr>
+        <p:blipFill>
+          <a:blip r:embed="rId4"/>
+          <a:stretch>
+            <a:fillRect/>
+          </a:stretch>
+        </p:blipFill>
+        <p:spPr>
+          <a:xfrm>
+            <a:off x="1548386" y="4011093"/>
+            <a:ext cx="3715268" cy="1066949"/>
+          </a:xfrm>
+          <a:prstGeom prst="rect">
+            <a:avLst/>
+          </a:prstGeom>
+        </p:spPr>
+      </p:pic>
+    </p:spTree>
+    <p:extLst>
+      <p:ext uri="{BB962C8B-B14F-4D97-AF65-F5344CB8AC3E}">
+        <p14:creationId xmlns:p14="http://schemas.microsoft.com/office/powerpoint/2010/main" val="372134867"/>
+      </p:ext>
+    </p:extLst>
+  </p:cSld>
+  <p:clrMapOvr>
+    <a:masterClrMapping/>
+  </p:clrMapOvr>
+</p:sld>
+</file>
+
+<file path=ppt/slides/slide7.xml><?xml version="1.0" encoding="utf-8"?>
+<p:sld xmlns:a="http://schemas.openxmlformats.org/drawingml/2006/main" xmlns:r="http://schemas.openxmlformats.org/officeDocument/2006/relationships" xmlns:p="http://schemas.openxmlformats.org/presentationml/2006/main">
+  <p:cSld>
+    <p:spTree>
+      <p:nvGrpSpPr>
+        <p:cNvPr id="1" name=""/>
+        <p:cNvGrpSpPr/>
+        <p:nvPr/>
+      </p:nvGrpSpPr>
+      <p:grpSpPr>
+        <a:xfrm>
+          <a:off x="0" y="0"/>
+          <a:ext cx="0" cy="0"/>
+          <a:chOff x="0" y="0"/>
+          <a:chExt cx="0" cy="0"/>
+        </a:xfrm>
+      </p:grpSpPr>
+      <p:sp>
+        <p:nvSpPr>
+          <p:cNvPr id="2" name="Title 1">
+            <a:extLst>
+              <a:ext uri="{FF2B5EF4-FFF2-40B4-BE49-F238E27FC236}">
+                <a16:creationId xmlns:a16="http://schemas.microsoft.com/office/drawing/2014/main" id="{CFC140F3-4DCD-33BF-EB25-117E49FDDF85}"/>
+              </a:ext>
+            </a:extLst>
+          </p:cNvPr>
+          <p:cNvSpPr>
+            <a:spLocks noGrp="1"/>
+          </p:cNvSpPr>
+          <p:nvPr>
+            <p:ph type="title"/>
+          </p:nvPr>
+        </p:nvSpPr>
+        <p:spPr>
+          <a:xfrm>
+            <a:off x="4654296" y="438912"/>
+            <a:ext cx="2212848" cy="545592"/>
+          </a:xfrm>
+        </p:spPr>
+        <p:txBody>
+          <a:bodyPr/>
+          <a:lstStyle/>
+          <a:p>
+            <a:r>
+              <a:rPr lang="en-US" dirty="0"/>
+              <a:t>Artwork</a:t>
+            </a:r>
+          </a:p>
+        </p:txBody>
+      </p:sp>
+      <p:pic>
+        <p:nvPicPr>
+          <p:cNvPr id="6" name="Picture 5">
+            <a:extLst>
+              <a:ext uri="{FF2B5EF4-FFF2-40B4-BE49-F238E27FC236}">
+                <a16:creationId xmlns:a16="http://schemas.microsoft.com/office/drawing/2014/main" id="{E0A415FE-8624-CE70-36D8-DF75DB4A38A5}"/>
+              </a:ext>
+            </a:extLst>
+          </p:cNvPr>
+          <p:cNvPicPr>
+            <a:picLocks noChangeAspect="1"/>
+          </p:cNvPicPr>
+          <p:nvPr/>
+        </p:nvPicPr>
+        <p:blipFill>
+          <a:blip r:embed="rId2"/>
+          <a:stretch>
+            <a:fillRect/>
+          </a:stretch>
+        </p:blipFill>
+        <p:spPr>
+          <a:xfrm>
+            <a:off x="1133846" y="1136497"/>
+            <a:ext cx="9924308" cy="1821162"/>
+          </a:xfrm>
+          <a:prstGeom prst="rect">
+            <a:avLst/>
+          </a:prstGeom>
+        </p:spPr>
+      </p:pic>
+      <p:pic>
+        <p:nvPicPr>
+          <p:cNvPr id="10" name="Picture 9">
+            <a:extLst>
+              <a:ext uri="{FF2B5EF4-FFF2-40B4-BE49-F238E27FC236}">
+                <a16:creationId xmlns:a16="http://schemas.microsoft.com/office/drawing/2014/main" id="{F4047650-32EE-BA61-747A-E40EA67477D7}"/>
+              </a:ext>
+            </a:extLst>
+          </p:cNvPr>
+          <p:cNvPicPr>
+            <a:picLocks noChangeAspect="1"/>
+          </p:cNvPicPr>
+          <p:nvPr/>
+        </p:nvPicPr>
+        <p:blipFill>
+          <a:blip r:embed="rId3"/>
+          <a:stretch>
+            <a:fillRect/>
+          </a:stretch>
+        </p:blipFill>
+        <p:spPr>
+          <a:xfrm>
+            <a:off x="775627" y="3109652"/>
+            <a:ext cx="3541188" cy="3588404"/>
+          </a:xfrm>
+          <a:prstGeom prst="rect">
+            <a:avLst/>
+          </a:prstGeom>
+        </p:spPr>
+      </p:pic>
+      <p:pic>
+        <p:nvPicPr>
+          <p:cNvPr id="12" name="Picture 11">
+            <a:extLst>
+              <a:ext uri="{FF2B5EF4-FFF2-40B4-BE49-F238E27FC236}">
+                <a16:creationId xmlns:a16="http://schemas.microsoft.com/office/drawing/2014/main" id="{1B51D793-323D-C86F-B463-C4F451E6D4AD}"/>
+              </a:ext>
+            </a:extLst>
+          </p:cNvPr>
+          <p:cNvPicPr>
+            <a:picLocks noChangeAspect="1"/>
+          </p:cNvPicPr>
+          <p:nvPr/>
+        </p:nvPicPr>
+        <p:blipFill>
+          <a:blip r:embed="rId4"/>
+          <a:stretch>
+            <a:fillRect/>
+          </a:stretch>
+        </p:blipFill>
+        <p:spPr>
+          <a:xfrm>
+            <a:off x="4491585" y="3399242"/>
+            <a:ext cx="1876687" cy="3019846"/>
+          </a:xfrm>
+          <a:prstGeom prst="rect">
+            <a:avLst/>
+          </a:prstGeom>
+        </p:spPr>
+      </p:pic>
+      <p:pic>
+        <p:nvPicPr>
+          <p:cNvPr id="16" name="Picture 15">
+            <a:extLst>
+              <a:ext uri="{FF2B5EF4-FFF2-40B4-BE49-F238E27FC236}">
+                <a16:creationId xmlns:a16="http://schemas.microsoft.com/office/drawing/2014/main" id="{9BD674A4-923D-1CEF-16E2-040464140636}"/>
+              </a:ext>
+            </a:extLst>
+          </p:cNvPr>
+          <p:cNvPicPr>
+            <a:picLocks noChangeAspect="1"/>
+          </p:cNvPicPr>
+          <p:nvPr/>
+        </p:nvPicPr>
+        <p:blipFill>
+          <a:blip r:embed="rId5"/>
+          <a:stretch>
+            <a:fillRect/>
+          </a:stretch>
+        </p:blipFill>
+        <p:spPr>
+          <a:xfrm>
+            <a:off x="6543042" y="3865484"/>
+            <a:ext cx="5553850" cy="2076740"/>
+          </a:xfrm>
+          <a:prstGeom prst="rect">
+            <a:avLst/>
+          </a:prstGeom>
+        </p:spPr>
+      </p:pic>
+    </p:spTree>
+    <p:extLst>
+      <p:ext uri="{BB962C8B-B14F-4D97-AF65-F5344CB8AC3E}">
+        <p14:creationId xmlns:p14="http://schemas.microsoft.com/office/powerpoint/2010/main" val="2355506843"/>
+      </p:ext>
+    </p:extLst>
+  </p:cSld>
+  <p:clrMapOvr>
+    <a:masterClrMapping/>
+  </p:clrMapOvr>
+</p:sld>
+</file>
+
 <file path=ppt/theme/theme1.xml><?xml version="1.0" encoding="utf-8"?>
 <a:theme xmlns:a="http://schemas.openxmlformats.org/drawingml/2006/main" name="Vapor Trail">
   <a:themeElements>
